--- a/materials/ch02/ch02_4-小程序运行机制.pptx
+++ b/materials/ch02/ch02_4-小程序运行机制.pptx
@@ -5,13 +5,14 @@
     <p:sldMasterId id="2147483648" r:id="rId1"/>
   </p:sldMasterIdLst>
   <p:notesMasterIdLst>
-    <p:notesMasterId r:id="rId6"/>
+    <p:notesMasterId r:id="rId7"/>
   </p:notesMasterIdLst>
   <p:sldIdLst>
     <p:sldId id="256" r:id="rId2"/>
     <p:sldId id="266" r:id="rId3"/>
     <p:sldId id="260" r:id="rId4"/>
     <p:sldId id="259" r:id="rId5"/>
+    <p:sldId id="267" r:id="rId6"/>
   </p:sldIdLst>
   <p:sldSz cx="12192000" cy="6858000"/>
   <p:notesSz cx="6858000" cy="9144000"/>
@@ -119,6 +120,7 @@
             <p14:sldId id="266"/>
             <p14:sldId id="260"/>
             <p14:sldId id="259"/>
+            <p14:sldId id="267"/>
           </p14:sldIdLst>
         </p14:section>
         <p14:section name="无标题节" id="{70FD2762-EEE5-4F2A-ADA9-74F2D228DBDA}">
@@ -215,7 +217,7 @@
           <a:p>
             <a:fld id="{E0C05B2B-7D4C-490C-886E-38D11E18F0DF}" type="datetimeFigureOut">
               <a:rPr lang="zh-CN" altLang="en-US" smtClean="0"/>
-              <a:t>2019/8/28</a:t>
+              <a:t>2019/9/4</a:t>
             </a:fld>
             <a:endParaRPr lang="zh-CN" altLang="en-US"/>
           </a:p>
@@ -629,7 +631,7 @@
           <a:p>
             <a:fld id="{BBF6169D-416D-4C06-B08B-5CE62A641987}" type="datetimeFigureOut">
               <a:rPr lang="zh-CN" altLang="en-US" smtClean="0"/>
-              <a:t>2019/8/28</a:t>
+              <a:t>2019/9/4</a:t>
             </a:fld>
             <a:endParaRPr lang="zh-CN" altLang="en-US"/>
           </a:p>
@@ -827,7 +829,7 @@
           <a:p>
             <a:fld id="{BBF6169D-416D-4C06-B08B-5CE62A641987}" type="datetimeFigureOut">
               <a:rPr lang="zh-CN" altLang="en-US" smtClean="0"/>
-              <a:t>2019/8/28</a:t>
+              <a:t>2019/9/4</a:t>
             </a:fld>
             <a:endParaRPr lang="zh-CN" altLang="en-US"/>
           </a:p>
@@ -1035,7 +1037,7 @@
           <a:p>
             <a:fld id="{BBF6169D-416D-4C06-B08B-5CE62A641987}" type="datetimeFigureOut">
               <a:rPr lang="zh-CN" altLang="en-US" smtClean="0"/>
-              <a:t>2019/8/28</a:t>
+              <a:t>2019/9/4</a:t>
             </a:fld>
             <a:endParaRPr lang="zh-CN" altLang="en-US"/>
           </a:p>
@@ -1233,7 +1235,7 @@
           <a:p>
             <a:fld id="{BBF6169D-416D-4C06-B08B-5CE62A641987}" type="datetimeFigureOut">
               <a:rPr lang="zh-CN" altLang="en-US" smtClean="0"/>
-              <a:t>2019/8/28</a:t>
+              <a:t>2019/9/4</a:t>
             </a:fld>
             <a:endParaRPr lang="zh-CN" altLang="en-US"/>
           </a:p>
@@ -1508,7 +1510,7 @@
           <a:p>
             <a:fld id="{BBF6169D-416D-4C06-B08B-5CE62A641987}" type="datetimeFigureOut">
               <a:rPr lang="zh-CN" altLang="en-US" smtClean="0"/>
-              <a:t>2019/8/28</a:t>
+              <a:t>2019/9/4</a:t>
             </a:fld>
             <a:endParaRPr lang="zh-CN" altLang="en-US"/>
           </a:p>
@@ -1773,7 +1775,7 @@
           <a:p>
             <a:fld id="{BBF6169D-416D-4C06-B08B-5CE62A641987}" type="datetimeFigureOut">
               <a:rPr lang="zh-CN" altLang="en-US" smtClean="0"/>
-              <a:t>2019/8/28</a:t>
+              <a:t>2019/9/4</a:t>
             </a:fld>
             <a:endParaRPr lang="zh-CN" altLang="en-US"/>
           </a:p>
@@ -2185,7 +2187,7 @@
           <a:p>
             <a:fld id="{BBF6169D-416D-4C06-B08B-5CE62A641987}" type="datetimeFigureOut">
               <a:rPr lang="zh-CN" altLang="en-US" smtClean="0"/>
-              <a:t>2019/8/28</a:t>
+              <a:t>2019/9/4</a:t>
             </a:fld>
             <a:endParaRPr lang="zh-CN" altLang="en-US"/>
           </a:p>
@@ -2326,7 +2328,7 @@
           <a:p>
             <a:fld id="{BBF6169D-416D-4C06-B08B-5CE62A641987}" type="datetimeFigureOut">
               <a:rPr lang="zh-CN" altLang="en-US" smtClean="0"/>
-              <a:t>2019/8/28</a:t>
+              <a:t>2019/9/4</a:t>
             </a:fld>
             <a:endParaRPr lang="zh-CN" altLang="en-US"/>
           </a:p>
@@ -2439,7 +2441,7 @@
           <a:p>
             <a:fld id="{BBF6169D-416D-4C06-B08B-5CE62A641987}" type="datetimeFigureOut">
               <a:rPr lang="zh-CN" altLang="en-US" smtClean="0"/>
-              <a:t>2019/8/28</a:t>
+              <a:t>2019/9/4</a:t>
             </a:fld>
             <a:endParaRPr lang="zh-CN" altLang="en-US"/>
           </a:p>
@@ -2750,7 +2752,7 @@
           <a:p>
             <a:fld id="{BBF6169D-416D-4C06-B08B-5CE62A641987}" type="datetimeFigureOut">
               <a:rPr lang="zh-CN" altLang="en-US" smtClean="0"/>
-              <a:t>2019/8/28</a:t>
+              <a:t>2019/9/4</a:t>
             </a:fld>
             <a:endParaRPr lang="zh-CN" altLang="en-US"/>
           </a:p>
@@ -3038,7 +3040,7 @@
           <a:p>
             <a:fld id="{BBF6169D-416D-4C06-B08B-5CE62A641987}" type="datetimeFigureOut">
               <a:rPr lang="zh-CN" altLang="en-US" smtClean="0"/>
-              <a:t>2019/8/28</a:t>
+              <a:t>2019/9/4</a:t>
             </a:fld>
             <a:endParaRPr lang="zh-CN" altLang="en-US"/>
           </a:p>
@@ -3279,7 +3281,7 @@
           <a:p>
             <a:fld id="{BBF6169D-416D-4C06-B08B-5CE62A641987}" type="datetimeFigureOut">
               <a:rPr lang="zh-CN" altLang="en-US" smtClean="0"/>
-              <a:t>2019/8/28</a:t>
+              <a:t>2019/9/4</a:t>
             </a:fld>
             <a:endParaRPr lang="zh-CN" altLang="en-US"/>
           </a:p>
@@ -4396,6 +4398,139 @@
     <p:extLst>
       <p:ext uri="{BB962C8B-B14F-4D97-AF65-F5344CB8AC3E}">
         <p14:creationId xmlns:p14="http://schemas.microsoft.com/office/powerpoint/2010/main" val="3287016344"/>
+      </p:ext>
+    </p:extLst>
+  </p:cSld>
+  <p:clrMapOvr>
+    <a:masterClrMapping/>
+  </p:clrMapOvr>
+</p:sld>
+</file>
+
+<file path=ppt/slides/slide5.xml><?xml version="1.0" encoding="utf-8"?>
+<p:sld xmlns:a="http://schemas.openxmlformats.org/drawingml/2006/main" xmlns:r="http://schemas.openxmlformats.org/officeDocument/2006/relationships" xmlns:p="http://schemas.openxmlformats.org/presentationml/2006/main">
+  <p:cSld>
+    <p:spTree>
+      <p:nvGrpSpPr>
+        <p:cNvPr id="1" name=""/>
+        <p:cNvGrpSpPr/>
+        <p:nvPr/>
+      </p:nvGrpSpPr>
+      <p:grpSpPr>
+        <a:xfrm>
+          <a:off x="0" y="0"/>
+          <a:ext cx="0" cy="0"/>
+          <a:chOff x="0" y="0"/>
+          <a:chExt cx="0" cy="0"/>
+        </a:xfrm>
+      </p:grpSpPr>
+      <p:sp>
+        <p:nvSpPr>
+          <p:cNvPr id="2" name="标题 1">
+            <a:extLst>
+              <a:ext uri="{FF2B5EF4-FFF2-40B4-BE49-F238E27FC236}">
+                <a16:creationId xmlns:a16="http://schemas.microsoft.com/office/drawing/2014/main" id="{6835ED9C-FD22-4AE2-9D0E-DE981657454F}"/>
+              </a:ext>
+            </a:extLst>
+          </p:cNvPr>
+          <p:cNvSpPr>
+            <a:spLocks noGrp="1"/>
+          </p:cNvSpPr>
+          <p:nvPr>
+            <p:ph type="title"/>
+          </p:nvPr>
+        </p:nvSpPr>
+        <p:spPr/>
+        <p:txBody>
+          <a:bodyPr/>
+          <a:lstStyle/>
+          <a:p>
+            <a:r>
+              <a:rPr lang="zh-CN" altLang="en-US" dirty="0"/>
+              <a:t>页面生命周期</a:t>
+            </a:r>
+          </a:p>
+        </p:txBody>
+      </p:sp>
+      <p:pic>
+        <p:nvPicPr>
+          <p:cNvPr id="5" name="内容占位符 4">
+            <a:extLst>
+              <a:ext uri="{FF2B5EF4-FFF2-40B4-BE49-F238E27FC236}">
+                <a16:creationId xmlns:a16="http://schemas.microsoft.com/office/drawing/2014/main" id="{17D419A7-C0E0-425C-ADCD-CF2A1C95C1BE}"/>
+              </a:ext>
+            </a:extLst>
+          </p:cNvPr>
+          <p:cNvPicPr>
+            <a:picLocks noGrp="1" noChangeAspect="1"/>
+          </p:cNvPicPr>
+          <p:nvPr>
+            <p:ph idx="1"/>
+          </p:nvPr>
+        </p:nvPicPr>
+        <p:blipFill>
+          <a:blip r:embed="rId2">
+            <a:extLst>
+              <a:ext uri="{28A0092B-C50C-407E-A947-70E740481C1C}">
+                <a14:useLocalDpi xmlns:a14="http://schemas.microsoft.com/office/drawing/2010/main" val="0"/>
+              </a:ext>
+            </a:extLst>
+          </a:blip>
+          <a:stretch>
+            <a:fillRect/>
+          </a:stretch>
+        </p:blipFill>
+        <p:spPr>
+          <a:xfrm>
+            <a:off x="5827385" y="101092"/>
+            <a:ext cx="4345315" cy="6655816"/>
+          </a:xfrm>
+        </p:spPr>
+      </p:pic>
+      <p:sp>
+        <p:nvSpPr>
+          <p:cNvPr id="6" name="文本框 5">
+            <a:extLst>
+              <a:ext uri="{FF2B5EF4-FFF2-40B4-BE49-F238E27FC236}">
+                <a16:creationId xmlns:a16="http://schemas.microsoft.com/office/drawing/2014/main" id="{22D0522F-DE18-49CE-881D-CFE0B76AD4F0}"/>
+              </a:ext>
+            </a:extLst>
+          </p:cNvPr>
+          <p:cNvSpPr txBox="1"/>
+          <p:nvPr/>
+        </p:nvSpPr>
+        <p:spPr>
+          <a:xfrm>
+            <a:off x="1019908" y="1608992"/>
+            <a:ext cx="4589584" cy="1200329"/>
+          </a:xfrm>
+          <a:prstGeom prst="rect">
+            <a:avLst/>
+          </a:prstGeom>
+          <a:noFill/>
+        </p:spPr>
+        <p:txBody>
+          <a:bodyPr wrap="square" rtlCol="0">
+            <a:spAutoFit/>
+          </a:bodyPr>
+          <a:lstStyle/>
+          <a:p>
+            <a:pPr marL="342900" indent="-342900">
+              <a:buFont typeface="Arial" panose="020B0604020202020204" pitchFamily="34" charset="0"/>
+              <a:buChar char="•"/>
+            </a:pPr>
+            <a:r>
+              <a:rPr lang="zh-CN" altLang="en-US" sz="2400" dirty="0"/>
+              <a:t>此图是官方文档中给出的页面生命周期的处理过程。可作为开发参考之用。</a:t>
+            </a:r>
+            <a:endParaRPr lang="en-US" altLang="zh-CN" sz="2400" dirty="0"/>
+          </a:p>
+        </p:txBody>
+      </p:sp>
+    </p:spTree>
+    <p:extLst>
+      <p:ext uri="{BB962C8B-B14F-4D97-AF65-F5344CB8AC3E}">
+        <p14:creationId xmlns:p14="http://schemas.microsoft.com/office/powerpoint/2010/main" val="559302672"/>
       </p:ext>
     </p:extLst>
   </p:cSld>
